--- a/MachineLearning/PPT/Ch03KNN.pptx
+++ b/MachineLearning/PPT/Ch03KNN.pptx
@@ -228,7 +228,7 @@
           <a:p>
             <a:fld id="{ABD1DD95-2A29-4EE2-B225-52E901FF2496}" type="datetimeFigureOut">
               <a:rPr lang="zh-CN" altLang="en-US" smtClean="0"/>
-              <a:t>2020-1-18</a:t>
+              <a:t>2020-2-20</a:t>
             </a:fld>
             <a:endParaRPr lang="zh-CN" altLang="en-US"/>
           </a:p>
@@ -393,7 +393,7 @@
           <a:p>
             <a:fld id="{67032A47-0651-4271-B9F6-B3977625BE84}" type="datetimeFigureOut">
               <a:rPr lang="zh-CN" altLang="en-US" smtClean="0"/>
-              <a:t>2020-1-18</a:t>
+              <a:t>2020-2-20</a:t>
             </a:fld>
             <a:endParaRPr lang="zh-CN" altLang="en-US"/>
           </a:p>
@@ -1766,7 +1766,7 @@
                 <a:ea typeface="微软雅黑" panose="020B0503020204020204" pitchFamily="34" charset="-122"/>
                 <a:cs typeface="Vrinda" panose="020B0502040204020203" pitchFamily="34" charset="0"/>
               </a:rPr>
-              <a:t>January 18, 2020</a:t>
+              <a:t>February 20, 2020</a:t>
             </a:fld>
             <a:endParaRPr lang="zh-CN" altLang="en-US" sz="1800" b="0" dirty="0">
               <a:solidFill>
@@ -2396,7 +2396,7 @@
                 <a:ea typeface="微软雅黑" panose="020B0503020204020204" pitchFamily="34" charset="-122"/>
                 <a:cs typeface="Vrinda" panose="020B0502040204020203" pitchFamily="34" charset="0"/>
               </a:rPr>
-              <a:t>January 18, 2020</a:t>
+              <a:t>February 20, 2020</a:t>
             </a:fld>
             <a:endParaRPr lang="zh-CN" altLang="en-US" sz="1800" b="0" dirty="0">
               <a:solidFill>
@@ -3343,7 +3343,7 @@
             </a:pPr>
             <a:r>
               <a:rPr lang="zh-CN" altLang="en-US" b="1" dirty="0">
-                <a:latin typeface="+mn-lt"/>
+                <a:latin typeface="+mn-ea"/>
                 <a:ea typeface="+mn-ea"/>
                 <a:cs typeface="+mn-ea"/>
                 <a:sym typeface="+mn-lt"/>
@@ -3352,7 +3352,7 @@
             </a:r>
             <a:r>
               <a:rPr lang="en-US" altLang="zh-CN" b="1" dirty="0">
-                <a:latin typeface="+mn-lt"/>
+                <a:latin typeface="+mn-ea"/>
                 <a:ea typeface="+mn-ea"/>
                 <a:cs typeface="+mn-ea"/>
                 <a:sym typeface="+mn-lt"/>
@@ -3361,7 +3361,7 @@
             </a:r>
             <a:r>
               <a:rPr lang="zh-CN" altLang="en-US" dirty="0">
-                <a:latin typeface="+mn-lt"/>
+                <a:latin typeface="+mn-ea"/>
                 <a:ea typeface="+mn-ea"/>
                 <a:cs typeface="+mn-ea"/>
                 <a:sym typeface="+mn-lt"/>
@@ -3370,7 +3370,7 @@
             </a:r>
             <a:r>
               <a:rPr lang="zh-CN" altLang="en-US" b="1" dirty="0">
-                <a:latin typeface="+mn-lt"/>
+                <a:latin typeface="+mn-ea"/>
                 <a:ea typeface="+mn-ea"/>
                 <a:cs typeface="+mn-ea"/>
                 <a:sym typeface="+mn-lt"/>
@@ -3379,7 +3379,7 @@
             </a:r>
             <a:r>
               <a:rPr lang="en-US" altLang="zh-CN" b="1" dirty="0">
-                <a:latin typeface="+mn-lt"/>
+                <a:latin typeface="+mn-ea"/>
                 <a:ea typeface="+mn-ea"/>
                 <a:cs typeface="+mn-ea"/>
                 <a:sym typeface="+mn-lt"/>
@@ -3388,7 +3388,7 @@
             </a:r>
             <a:br>
               <a:rPr lang="en-US" altLang="zh-CN" b="1" dirty="0">
-                <a:latin typeface="+mn-lt"/>
+                <a:latin typeface="+mn-ea"/>
                 <a:ea typeface="+mn-ea"/>
                 <a:cs typeface="+mn-ea"/>
                 <a:sym typeface="+mn-lt"/>
@@ -3396,7 +3396,7 @@
             </a:br>
             <a:r>
               <a:rPr lang="en-US" altLang="zh-CN" b="1" dirty="0">
-                <a:latin typeface="+mn-lt"/>
+                <a:latin typeface="+mn-ea"/>
                 <a:ea typeface="+mn-ea"/>
                 <a:cs typeface="+mn-ea"/>
                 <a:sym typeface="+mn-lt"/>
@@ -3405,7 +3405,7 @@
             </a:r>
             <a:r>
               <a:rPr lang="zh-CN" altLang="en-US" b="1" dirty="0">
-                <a:latin typeface="+mn-lt"/>
+                <a:latin typeface="+mn-ea"/>
                 <a:ea typeface="+mn-ea"/>
                 <a:cs typeface="+mn-ea"/>
                 <a:sym typeface="+mn-lt"/>
@@ -3414,7 +3414,7 @@
             </a:r>
             <a:r>
               <a:rPr lang="en-US" altLang="zh-CN" b="1" dirty="0">
-                <a:latin typeface="+mn-lt"/>
+                <a:latin typeface="+mn-ea"/>
                 <a:ea typeface="+mn-ea"/>
                 <a:cs typeface="+mn-ea"/>
                 <a:sym typeface="+mn-lt"/>
@@ -3423,7 +3423,7 @@
             </a:r>
             <a:r>
               <a:rPr lang="zh-CN" altLang="en-US" b="1" dirty="0">
-                <a:latin typeface="+mn-lt"/>
+                <a:latin typeface="+mn-ea"/>
                 <a:ea typeface="+mn-ea"/>
                 <a:cs typeface="+mn-ea"/>
                 <a:sym typeface="+mn-lt"/>

--- a/MachineLearning/PPT/Ch03KNN.pptx
+++ b/MachineLearning/PPT/Ch03KNN.pptx
@@ -228,7 +228,7 @@
           <a:p>
             <a:fld id="{ABD1DD95-2A29-4EE2-B225-52E901FF2496}" type="datetimeFigureOut">
               <a:rPr lang="zh-CN" altLang="en-US" smtClean="0"/>
-              <a:t>2020-2-20</a:t>
+              <a:t>2020-2-21</a:t>
             </a:fld>
             <a:endParaRPr lang="zh-CN" altLang="en-US"/>
           </a:p>
@@ -393,7 +393,7 @@
           <a:p>
             <a:fld id="{67032A47-0651-4271-B9F6-B3977625BE84}" type="datetimeFigureOut">
               <a:rPr lang="zh-CN" altLang="en-US" smtClean="0"/>
-              <a:t>2020-2-20</a:t>
+              <a:t>2020-2-21</a:t>
             </a:fld>
             <a:endParaRPr lang="zh-CN" altLang="en-US"/>
           </a:p>
@@ -1766,7 +1766,7 @@
                 <a:ea typeface="微软雅黑" panose="020B0503020204020204" pitchFamily="34" charset="-122"/>
                 <a:cs typeface="Vrinda" panose="020B0502040204020203" pitchFamily="34" charset="0"/>
               </a:rPr>
-              <a:t>February 20, 2020</a:t>
+              <a:t>February 21, 2020</a:t>
             </a:fld>
             <a:endParaRPr lang="zh-CN" altLang="en-US" sz="1800" b="0" dirty="0">
               <a:solidFill>
@@ -2396,7 +2396,7 @@
                 <a:ea typeface="微软雅黑" panose="020B0503020204020204" pitchFamily="34" charset="-122"/>
                 <a:cs typeface="Vrinda" panose="020B0502040204020203" pitchFamily="34" charset="0"/>
               </a:rPr>
-              <a:t>February 20, 2020</a:t>
+              <a:t>February 21, 2020</a:t>
             </a:fld>
             <a:endParaRPr lang="zh-CN" altLang="en-US" sz="1800" b="0" dirty="0">
               <a:solidFill>
@@ -3366,7 +3366,7 @@
                 <a:cs typeface="+mn-ea"/>
                 <a:sym typeface="+mn-lt"/>
               </a:rPr>
-              <a:t>课时</a:t>
+              <a:t>讲</a:t>
             </a:r>
             <a:r>
               <a:rPr lang="zh-CN" altLang="en-US" b="1" dirty="0">
